--- a/ppt 16-9/0184.耶稣！超乎万民.pptx
+++ b/ppt 16-9/0184.耶稣！超乎万民.pptx
@@ -5,7 +5,7 @@
     <p:sldMasterId id="2147483648" r:id="rId1"/>
   </p:sldMasterIdLst>
   <p:sldIdLst>
-    <p:sldId id="2810" r:id="rId2"/>
+    <p:sldId id="2812" r:id="rId2"/>
   </p:sldIdLst>
   <p:sldSz cx="12192000" cy="6858000"/>
   <p:notesSz cx="6858000" cy="9144000"/>
@@ -129,7 +129,7 @@
           <p:cNvPr id="2" name="标题 1">
             <a:extLst>
               <a:ext uri="{FF2B5EF4-FFF2-40B4-BE49-F238E27FC236}">
-                <a16:creationId xmlns:a16="http://schemas.microsoft.com/office/drawing/2014/main" id="{738F7205-CC33-C2DF-833B-2267463747BD}"/>
+                <a16:creationId xmlns:a16="http://schemas.microsoft.com/office/drawing/2014/main" id="{5FC870BE-8BE0-10E2-9F79-C510F657FE8C}"/>
               </a:ext>
             </a:extLst>
           </p:cNvPr>
@@ -166,7 +166,7 @@
           <p:cNvPr id="3" name="副标题 2">
             <a:extLst>
               <a:ext uri="{FF2B5EF4-FFF2-40B4-BE49-F238E27FC236}">
-                <a16:creationId xmlns:a16="http://schemas.microsoft.com/office/drawing/2014/main" id="{7D4ED177-5DF7-3ABF-25B6-F900D386B023}"/>
+                <a16:creationId xmlns:a16="http://schemas.microsoft.com/office/drawing/2014/main" id="{437752B2-0D6A-7C6D-3880-69A836D8E06F}"/>
               </a:ext>
             </a:extLst>
           </p:cNvPr>
@@ -236,7 +236,7 @@
           <p:cNvPr id="4" name="日期占位符 3">
             <a:extLst>
               <a:ext uri="{FF2B5EF4-FFF2-40B4-BE49-F238E27FC236}">
-                <a16:creationId xmlns:a16="http://schemas.microsoft.com/office/drawing/2014/main" id="{E592BD97-AF23-367A-06FD-5E1B537689A0}"/>
+                <a16:creationId xmlns:a16="http://schemas.microsoft.com/office/drawing/2014/main" id="{7D66EE3B-26CA-04FC-B1A4-1FAD0D3177FB}"/>
               </a:ext>
             </a:extLst>
           </p:cNvPr>
@@ -252,7 +252,7 @@
           <a:bodyPr/>
           <a:lstStyle/>
           <a:p>
-            <a:fld id="{1D1A240B-E2BB-47BC-9C3D-B26E018D0B6B}" type="datetimeFigureOut">
+            <a:fld id="{C819C7CC-1DEF-41DF-847B-1DB87926743E}" type="datetimeFigureOut">
               <a:rPr lang="zh-CN" altLang="en-US" smtClean="0"/>
               <a:t>2024/3/10</a:t>
             </a:fld>
@@ -265,7 +265,7 @@
           <p:cNvPr id="5" name="页脚占位符 4">
             <a:extLst>
               <a:ext uri="{FF2B5EF4-FFF2-40B4-BE49-F238E27FC236}">
-                <a16:creationId xmlns:a16="http://schemas.microsoft.com/office/drawing/2014/main" id="{897B397F-B906-EED9-4DF3-44EB5D2A2FED}"/>
+                <a16:creationId xmlns:a16="http://schemas.microsoft.com/office/drawing/2014/main" id="{641EA611-D76F-60F9-D426-5E247F0E375D}"/>
               </a:ext>
             </a:extLst>
           </p:cNvPr>
@@ -290,7 +290,7 @@
           <p:cNvPr id="6" name="灯片编号占位符 5">
             <a:extLst>
               <a:ext uri="{FF2B5EF4-FFF2-40B4-BE49-F238E27FC236}">
-                <a16:creationId xmlns:a16="http://schemas.microsoft.com/office/drawing/2014/main" id="{E72BC121-218A-2DDE-BD93-D3526BC43B5A}"/>
+                <a16:creationId xmlns:a16="http://schemas.microsoft.com/office/drawing/2014/main" id="{94CA39EE-70FF-1690-6454-C60ED3D94E18}"/>
               </a:ext>
             </a:extLst>
           </p:cNvPr>
@@ -306,7 +306,7 @@
           <a:bodyPr/>
           <a:lstStyle/>
           <a:p>
-            <a:fld id="{8DE8C210-0033-4520-8347-4BA5FACC725C}" type="slidenum">
+            <a:fld id="{C5AF74D8-A3D6-42B1-89FC-19AC4B5D0080}" type="slidenum">
               <a:rPr lang="zh-CN" altLang="en-US" smtClean="0"/>
               <a:t>‹#›</a:t>
             </a:fld>
@@ -317,7 +317,7 @@
     </p:spTree>
     <p:extLst>
       <p:ext uri="{BB962C8B-B14F-4D97-AF65-F5344CB8AC3E}">
-        <p14:creationId xmlns:p14="http://schemas.microsoft.com/office/powerpoint/2010/main" val="2070746422"/>
+        <p14:creationId xmlns:p14="http://schemas.microsoft.com/office/powerpoint/2010/main" val="3516569769"/>
       </p:ext>
     </p:extLst>
   </p:cSld>
@@ -349,7 +349,7 @@
           <p:cNvPr id="2" name="标题 1">
             <a:extLst>
               <a:ext uri="{FF2B5EF4-FFF2-40B4-BE49-F238E27FC236}">
-                <a16:creationId xmlns:a16="http://schemas.microsoft.com/office/drawing/2014/main" id="{E4D0DB2D-0C51-5F36-BBBC-BDDA3BED483B}"/>
+                <a16:creationId xmlns:a16="http://schemas.microsoft.com/office/drawing/2014/main" id="{22C4093E-DC44-AC17-ECFD-37A51499298C}"/>
               </a:ext>
             </a:extLst>
           </p:cNvPr>
@@ -377,7 +377,7 @@
           <p:cNvPr id="3" name="竖排文字占位符 2">
             <a:extLst>
               <a:ext uri="{FF2B5EF4-FFF2-40B4-BE49-F238E27FC236}">
-                <a16:creationId xmlns:a16="http://schemas.microsoft.com/office/drawing/2014/main" id="{6A0842FA-B14F-8772-434B-1D2AB677FB01}"/>
+                <a16:creationId xmlns:a16="http://schemas.microsoft.com/office/drawing/2014/main" id="{C117ACF9-0992-380F-249F-DBC867563C14}"/>
               </a:ext>
             </a:extLst>
           </p:cNvPr>
@@ -434,7 +434,7 @@
           <p:cNvPr id="4" name="日期占位符 3">
             <a:extLst>
               <a:ext uri="{FF2B5EF4-FFF2-40B4-BE49-F238E27FC236}">
-                <a16:creationId xmlns:a16="http://schemas.microsoft.com/office/drawing/2014/main" id="{9A18827D-1BAB-D0C9-8A16-EF1F245E2406}"/>
+                <a16:creationId xmlns:a16="http://schemas.microsoft.com/office/drawing/2014/main" id="{529D5F84-2D49-7E47-EC8C-1CA556394267}"/>
               </a:ext>
             </a:extLst>
           </p:cNvPr>
@@ -450,7 +450,7 @@
           <a:bodyPr/>
           <a:lstStyle/>
           <a:p>
-            <a:fld id="{1D1A240B-E2BB-47BC-9C3D-B26E018D0B6B}" type="datetimeFigureOut">
+            <a:fld id="{C819C7CC-1DEF-41DF-847B-1DB87926743E}" type="datetimeFigureOut">
               <a:rPr lang="zh-CN" altLang="en-US" smtClean="0"/>
               <a:t>2024/3/10</a:t>
             </a:fld>
@@ -463,7 +463,7 @@
           <p:cNvPr id="5" name="页脚占位符 4">
             <a:extLst>
               <a:ext uri="{FF2B5EF4-FFF2-40B4-BE49-F238E27FC236}">
-                <a16:creationId xmlns:a16="http://schemas.microsoft.com/office/drawing/2014/main" id="{FA17CC2C-9CDB-B102-A16E-985D41C6EE80}"/>
+                <a16:creationId xmlns:a16="http://schemas.microsoft.com/office/drawing/2014/main" id="{3ADA2554-1DDF-58A7-A542-33D7DFAE59AC}"/>
               </a:ext>
             </a:extLst>
           </p:cNvPr>
@@ -488,7 +488,7 @@
           <p:cNvPr id="6" name="灯片编号占位符 5">
             <a:extLst>
               <a:ext uri="{FF2B5EF4-FFF2-40B4-BE49-F238E27FC236}">
-                <a16:creationId xmlns:a16="http://schemas.microsoft.com/office/drawing/2014/main" id="{182723D2-59C6-3B64-33C9-C00EBA541E78}"/>
+                <a16:creationId xmlns:a16="http://schemas.microsoft.com/office/drawing/2014/main" id="{6AB64831-D2FA-B215-3E88-4C793A0EA18F}"/>
               </a:ext>
             </a:extLst>
           </p:cNvPr>
@@ -504,7 +504,7 @@
           <a:bodyPr/>
           <a:lstStyle/>
           <a:p>
-            <a:fld id="{8DE8C210-0033-4520-8347-4BA5FACC725C}" type="slidenum">
+            <a:fld id="{C5AF74D8-A3D6-42B1-89FC-19AC4B5D0080}" type="slidenum">
               <a:rPr lang="zh-CN" altLang="en-US" smtClean="0"/>
               <a:t>‹#›</a:t>
             </a:fld>
@@ -515,7 +515,7 @@
     </p:spTree>
     <p:extLst>
       <p:ext uri="{BB962C8B-B14F-4D97-AF65-F5344CB8AC3E}">
-        <p14:creationId xmlns:p14="http://schemas.microsoft.com/office/powerpoint/2010/main" val="3974490609"/>
+        <p14:creationId xmlns:p14="http://schemas.microsoft.com/office/powerpoint/2010/main" val="1503465094"/>
       </p:ext>
     </p:extLst>
   </p:cSld>
@@ -547,7 +547,7 @@
           <p:cNvPr id="2" name="竖排标题 1">
             <a:extLst>
               <a:ext uri="{FF2B5EF4-FFF2-40B4-BE49-F238E27FC236}">
-                <a16:creationId xmlns:a16="http://schemas.microsoft.com/office/drawing/2014/main" id="{30A298DB-70ED-9574-7F8A-5AD97CC68D9F}"/>
+                <a16:creationId xmlns:a16="http://schemas.microsoft.com/office/drawing/2014/main" id="{FB66A935-0AB6-848A-4BE4-040388154E99}"/>
               </a:ext>
             </a:extLst>
           </p:cNvPr>
@@ -580,7 +580,7 @@
           <p:cNvPr id="3" name="竖排文字占位符 2">
             <a:extLst>
               <a:ext uri="{FF2B5EF4-FFF2-40B4-BE49-F238E27FC236}">
-                <a16:creationId xmlns:a16="http://schemas.microsoft.com/office/drawing/2014/main" id="{57D15C92-DC22-D66D-28D5-F8B7552C282B}"/>
+                <a16:creationId xmlns:a16="http://schemas.microsoft.com/office/drawing/2014/main" id="{23AE8A52-8718-FD55-0BA6-C7EC5D61B6C7}"/>
               </a:ext>
             </a:extLst>
           </p:cNvPr>
@@ -642,7 +642,7 @@
           <p:cNvPr id="4" name="日期占位符 3">
             <a:extLst>
               <a:ext uri="{FF2B5EF4-FFF2-40B4-BE49-F238E27FC236}">
-                <a16:creationId xmlns:a16="http://schemas.microsoft.com/office/drawing/2014/main" id="{8E5DC5A3-BDCC-F15B-7DE6-904253641BE6}"/>
+                <a16:creationId xmlns:a16="http://schemas.microsoft.com/office/drawing/2014/main" id="{C285D1C2-4658-9593-FF95-423BD315D89B}"/>
               </a:ext>
             </a:extLst>
           </p:cNvPr>
@@ -658,7 +658,7 @@
           <a:bodyPr/>
           <a:lstStyle/>
           <a:p>
-            <a:fld id="{1D1A240B-E2BB-47BC-9C3D-B26E018D0B6B}" type="datetimeFigureOut">
+            <a:fld id="{C819C7CC-1DEF-41DF-847B-1DB87926743E}" type="datetimeFigureOut">
               <a:rPr lang="zh-CN" altLang="en-US" smtClean="0"/>
               <a:t>2024/3/10</a:t>
             </a:fld>
@@ -671,7 +671,7 @@
           <p:cNvPr id="5" name="页脚占位符 4">
             <a:extLst>
               <a:ext uri="{FF2B5EF4-FFF2-40B4-BE49-F238E27FC236}">
-                <a16:creationId xmlns:a16="http://schemas.microsoft.com/office/drawing/2014/main" id="{E588C9BA-5127-2C96-9F5C-A220D57B4099}"/>
+                <a16:creationId xmlns:a16="http://schemas.microsoft.com/office/drawing/2014/main" id="{A4F96919-F40B-C978-D766-C86607DB4E6F}"/>
               </a:ext>
             </a:extLst>
           </p:cNvPr>
@@ -696,7 +696,7 @@
           <p:cNvPr id="6" name="灯片编号占位符 5">
             <a:extLst>
               <a:ext uri="{FF2B5EF4-FFF2-40B4-BE49-F238E27FC236}">
-                <a16:creationId xmlns:a16="http://schemas.microsoft.com/office/drawing/2014/main" id="{AE620037-14F6-8140-7C70-950E1FE3A54F}"/>
+                <a16:creationId xmlns:a16="http://schemas.microsoft.com/office/drawing/2014/main" id="{A78BB9C7-B008-92E4-3911-076154317BBB}"/>
               </a:ext>
             </a:extLst>
           </p:cNvPr>
@@ -712,7 +712,7 @@
           <a:bodyPr/>
           <a:lstStyle/>
           <a:p>
-            <a:fld id="{8DE8C210-0033-4520-8347-4BA5FACC725C}" type="slidenum">
+            <a:fld id="{C5AF74D8-A3D6-42B1-89FC-19AC4B5D0080}" type="slidenum">
               <a:rPr lang="zh-CN" altLang="en-US" smtClean="0"/>
               <a:t>‹#›</a:t>
             </a:fld>
@@ -723,7 +723,7 @@
     </p:spTree>
     <p:extLst>
       <p:ext uri="{BB962C8B-B14F-4D97-AF65-F5344CB8AC3E}">
-        <p14:creationId xmlns:p14="http://schemas.microsoft.com/office/powerpoint/2010/main" val="2666067776"/>
+        <p14:creationId xmlns:p14="http://schemas.microsoft.com/office/powerpoint/2010/main" val="2185278487"/>
       </p:ext>
     </p:extLst>
   </p:cSld>
@@ -755,7 +755,7 @@
           <p:cNvPr id="2" name="标题 1">
             <a:extLst>
               <a:ext uri="{FF2B5EF4-FFF2-40B4-BE49-F238E27FC236}">
-                <a16:creationId xmlns:a16="http://schemas.microsoft.com/office/drawing/2014/main" id="{22478EFC-54D6-A32B-3F40-EFDB24209B89}"/>
+                <a16:creationId xmlns:a16="http://schemas.microsoft.com/office/drawing/2014/main" id="{718E7FD8-BA5D-013A-501C-7301E90F672D}"/>
               </a:ext>
             </a:extLst>
           </p:cNvPr>
@@ -783,7 +783,7 @@
           <p:cNvPr id="3" name="内容占位符 2">
             <a:extLst>
               <a:ext uri="{FF2B5EF4-FFF2-40B4-BE49-F238E27FC236}">
-                <a16:creationId xmlns:a16="http://schemas.microsoft.com/office/drawing/2014/main" id="{A73D6A77-145A-A673-2629-BE37BDF2A562}"/>
+                <a16:creationId xmlns:a16="http://schemas.microsoft.com/office/drawing/2014/main" id="{B3D50E17-F7CC-6841-12D6-30ABD1ED5A5B}"/>
               </a:ext>
             </a:extLst>
           </p:cNvPr>
@@ -840,7 +840,7 @@
           <p:cNvPr id="4" name="日期占位符 3">
             <a:extLst>
               <a:ext uri="{FF2B5EF4-FFF2-40B4-BE49-F238E27FC236}">
-                <a16:creationId xmlns:a16="http://schemas.microsoft.com/office/drawing/2014/main" id="{8B8EF50B-FE0B-6576-73F5-81879FDD8CFA}"/>
+                <a16:creationId xmlns:a16="http://schemas.microsoft.com/office/drawing/2014/main" id="{CCE362FE-1803-A489-EBB8-4EE2024053BF}"/>
               </a:ext>
             </a:extLst>
           </p:cNvPr>
@@ -856,7 +856,7 @@
           <a:bodyPr/>
           <a:lstStyle/>
           <a:p>
-            <a:fld id="{1D1A240B-E2BB-47BC-9C3D-B26E018D0B6B}" type="datetimeFigureOut">
+            <a:fld id="{C819C7CC-1DEF-41DF-847B-1DB87926743E}" type="datetimeFigureOut">
               <a:rPr lang="zh-CN" altLang="en-US" smtClean="0"/>
               <a:t>2024/3/10</a:t>
             </a:fld>
@@ -869,7 +869,7 @@
           <p:cNvPr id="5" name="页脚占位符 4">
             <a:extLst>
               <a:ext uri="{FF2B5EF4-FFF2-40B4-BE49-F238E27FC236}">
-                <a16:creationId xmlns:a16="http://schemas.microsoft.com/office/drawing/2014/main" id="{94947BD1-605F-0FE0-2809-43CF7BCE9F4B}"/>
+                <a16:creationId xmlns:a16="http://schemas.microsoft.com/office/drawing/2014/main" id="{09D1A92F-1C23-B0AB-91AA-2A734312B6CF}"/>
               </a:ext>
             </a:extLst>
           </p:cNvPr>
@@ -894,7 +894,7 @@
           <p:cNvPr id="6" name="灯片编号占位符 5">
             <a:extLst>
               <a:ext uri="{FF2B5EF4-FFF2-40B4-BE49-F238E27FC236}">
-                <a16:creationId xmlns:a16="http://schemas.microsoft.com/office/drawing/2014/main" id="{5D84C22E-8395-8EFB-C715-4CB111AA8130}"/>
+                <a16:creationId xmlns:a16="http://schemas.microsoft.com/office/drawing/2014/main" id="{D146CA32-828D-B60D-3521-702102A837A2}"/>
               </a:ext>
             </a:extLst>
           </p:cNvPr>
@@ -910,7 +910,7 @@
           <a:bodyPr/>
           <a:lstStyle/>
           <a:p>
-            <a:fld id="{8DE8C210-0033-4520-8347-4BA5FACC725C}" type="slidenum">
+            <a:fld id="{C5AF74D8-A3D6-42B1-89FC-19AC4B5D0080}" type="slidenum">
               <a:rPr lang="zh-CN" altLang="en-US" smtClean="0"/>
               <a:t>‹#›</a:t>
             </a:fld>
@@ -921,7 +921,7 @@
     </p:spTree>
     <p:extLst>
       <p:ext uri="{BB962C8B-B14F-4D97-AF65-F5344CB8AC3E}">
-        <p14:creationId xmlns:p14="http://schemas.microsoft.com/office/powerpoint/2010/main" val="3625523162"/>
+        <p14:creationId xmlns:p14="http://schemas.microsoft.com/office/powerpoint/2010/main" val="1441809718"/>
       </p:ext>
     </p:extLst>
   </p:cSld>
@@ -953,7 +953,7 @@
           <p:cNvPr id="2" name="标题 1">
             <a:extLst>
               <a:ext uri="{FF2B5EF4-FFF2-40B4-BE49-F238E27FC236}">
-                <a16:creationId xmlns:a16="http://schemas.microsoft.com/office/drawing/2014/main" id="{D11DB51C-CEB6-AA56-DCB6-6B121759AD7B}"/>
+                <a16:creationId xmlns:a16="http://schemas.microsoft.com/office/drawing/2014/main" id="{2A01494E-5403-712C-4BAF-BC35300340A8}"/>
               </a:ext>
             </a:extLst>
           </p:cNvPr>
@@ -990,7 +990,7 @@
           <p:cNvPr id="3" name="文本占位符 2">
             <a:extLst>
               <a:ext uri="{FF2B5EF4-FFF2-40B4-BE49-F238E27FC236}">
-                <a16:creationId xmlns:a16="http://schemas.microsoft.com/office/drawing/2014/main" id="{F236370C-D60C-40EE-D632-630535CB89EF}"/>
+                <a16:creationId xmlns:a16="http://schemas.microsoft.com/office/drawing/2014/main" id="{99754AC2-A223-8225-4C2E-0EB68B28F99E}"/>
               </a:ext>
             </a:extLst>
           </p:cNvPr>
@@ -1115,7 +1115,7 @@
           <p:cNvPr id="4" name="日期占位符 3">
             <a:extLst>
               <a:ext uri="{FF2B5EF4-FFF2-40B4-BE49-F238E27FC236}">
-                <a16:creationId xmlns:a16="http://schemas.microsoft.com/office/drawing/2014/main" id="{5E593FFE-8393-FCB4-18EC-250DA7D66CAC}"/>
+                <a16:creationId xmlns:a16="http://schemas.microsoft.com/office/drawing/2014/main" id="{11CBAD6A-75FB-4BD9-5A72-F409F3E86A87}"/>
               </a:ext>
             </a:extLst>
           </p:cNvPr>
@@ -1131,7 +1131,7 @@
           <a:bodyPr/>
           <a:lstStyle/>
           <a:p>
-            <a:fld id="{1D1A240B-E2BB-47BC-9C3D-B26E018D0B6B}" type="datetimeFigureOut">
+            <a:fld id="{C819C7CC-1DEF-41DF-847B-1DB87926743E}" type="datetimeFigureOut">
               <a:rPr lang="zh-CN" altLang="en-US" smtClean="0"/>
               <a:t>2024/3/10</a:t>
             </a:fld>
@@ -1144,7 +1144,7 @@
           <p:cNvPr id="5" name="页脚占位符 4">
             <a:extLst>
               <a:ext uri="{FF2B5EF4-FFF2-40B4-BE49-F238E27FC236}">
-                <a16:creationId xmlns:a16="http://schemas.microsoft.com/office/drawing/2014/main" id="{E9E7B574-AC3A-FA27-7D2B-EDFBB925E8A4}"/>
+                <a16:creationId xmlns:a16="http://schemas.microsoft.com/office/drawing/2014/main" id="{3922CE43-498B-F5A5-DE14-4E5CF4DA83C4}"/>
               </a:ext>
             </a:extLst>
           </p:cNvPr>
@@ -1169,7 +1169,7 @@
           <p:cNvPr id="6" name="灯片编号占位符 5">
             <a:extLst>
               <a:ext uri="{FF2B5EF4-FFF2-40B4-BE49-F238E27FC236}">
-                <a16:creationId xmlns:a16="http://schemas.microsoft.com/office/drawing/2014/main" id="{383A94A9-DB5F-7AB5-5E49-508451960C95}"/>
+                <a16:creationId xmlns:a16="http://schemas.microsoft.com/office/drawing/2014/main" id="{F7AC1325-26E2-2B71-C3A1-9979CFA76E54}"/>
               </a:ext>
             </a:extLst>
           </p:cNvPr>
@@ -1185,7 +1185,7 @@
           <a:bodyPr/>
           <a:lstStyle/>
           <a:p>
-            <a:fld id="{8DE8C210-0033-4520-8347-4BA5FACC725C}" type="slidenum">
+            <a:fld id="{C5AF74D8-A3D6-42B1-89FC-19AC4B5D0080}" type="slidenum">
               <a:rPr lang="zh-CN" altLang="en-US" smtClean="0"/>
               <a:t>‹#›</a:t>
             </a:fld>
@@ -1196,7 +1196,7 @@
     </p:spTree>
     <p:extLst>
       <p:ext uri="{BB962C8B-B14F-4D97-AF65-F5344CB8AC3E}">
-        <p14:creationId xmlns:p14="http://schemas.microsoft.com/office/powerpoint/2010/main" val="3072015905"/>
+        <p14:creationId xmlns:p14="http://schemas.microsoft.com/office/powerpoint/2010/main" val="1413700452"/>
       </p:ext>
     </p:extLst>
   </p:cSld>
@@ -1228,7 +1228,7 @@
           <p:cNvPr id="2" name="标题 1">
             <a:extLst>
               <a:ext uri="{FF2B5EF4-FFF2-40B4-BE49-F238E27FC236}">
-                <a16:creationId xmlns:a16="http://schemas.microsoft.com/office/drawing/2014/main" id="{6FC10E7A-C53F-B99C-31A7-75C7BCC38E99}"/>
+                <a16:creationId xmlns:a16="http://schemas.microsoft.com/office/drawing/2014/main" id="{21E46013-BB8C-EE04-626B-095AECEB2DC1}"/>
               </a:ext>
             </a:extLst>
           </p:cNvPr>
@@ -1256,7 +1256,7 @@
           <p:cNvPr id="3" name="内容占位符 2">
             <a:extLst>
               <a:ext uri="{FF2B5EF4-FFF2-40B4-BE49-F238E27FC236}">
-                <a16:creationId xmlns:a16="http://schemas.microsoft.com/office/drawing/2014/main" id="{A59C071B-A8F8-B5D8-0C41-266975D21724}"/>
+                <a16:creationId xmlns:a16="http://schemas.microsoft.com/office/drawing/2014/main" id="{C274D31E-171F-C6D8-9DA2-D25AE0073D56}"/>
               </a:ext>
             </a:extLst>
           </p:cNvPr>
@@ -1318,7 +1318,7 @@
           <p:cNvPr id="4" name="内容占位符 3">
             <a:extLst>
               <a:ext uri="{FF2B5EF4-FFF2-40B4-BE49-F238E27FC236}">
-                <a16:creationId xmlns:a16="http://schemas.microsoft.com/office/drawing/2014/main" id="{E5B82609-1710-85E6-C1A4-451C6C985AA0}"/>
+                <a16:creationId xmlns:a16="http://schemas.microsoft.com/office/drawing/2014/main" id="{B306F049-0E5B-16EF-B511-287C130DDCC6}"/>
               </a:ext>
             </a:extLst>
           </p:cNvPr>
@@ -1380,7 +1380,7 @@
           <p:cNvPr id="5" name="日期占位符 4">
             <a:extLst>
               <a:ext uri="{FF2B5EF4-FFF2-40B4-BE49-F238E27FC236}">
-                <a16:creationId xmlns:a16="http://schemas.microsoft.com/office/drawing/2014/main" id="{BEFEB096-7328-39BF-E323-15442EAE1AC1}"/>
+                <a16:creationId xmlns:a16="http://schemas.microsoft.com/office/drawing/2014/main" id="{41DA2F7C-83A3-EC41-D893-68A9BB589624}"/>
               </a:ext>
             </a:extLst>
           </p:cNvPr>
@@ -1396,7 +1396,7 @@
           <a:bodyPr/>
           <a:lstStyle/>
           <a:p>
-            <a:fld id="{1D1A240B-E2BB-47BC-9C3D-B26E018D0B6B}" type="datetimeFigureOut">
+            <a:fld id="{C819C7CC-1DEF-41DF-847B-1DB87926743E}" type="datetimeFigureOut">
               <a:rPr lang="zh-CN" altLang="en-US" smtClean="0"/>
               <a:t>2024/3/10</a:t>
             </a:fld>
@@ -1409,7 +1409,7 @@
           <p:cNvPr id="6" name="页脚占位符 5">
             <a:extLst>
               <a:ext uri="{FF2B5EF4-FFF2-40B4-BE49-F238E27FC236}">
-                <a16:creationId xmlns:a16="http://schemas.microsoft.com/office/drawing/2014/main" id="{451AECF1-9323-3B9B-1344-5933A93AA604}"/>
+                <a16:creationId xmlns:a16="http://schemas.microsoft.com/office/drawing/2014/main" id="{3EB57012-56F1-9320-3B7E-1956DF8003BB}"/>
               </a:ext>
             </a:extLst>
           </p:cNvPr>
@@ -1434,7 +1434,7 @@
           <p:cNvPr id="7" name="灯片编号占位符 6">
             <a:extLst>
               <a:ext uri="{FF2B5EF4-FFF2-40B4-BE49-F238E27FC236}">
-                <a16:creationId xmlns:a16="http://schemas.microsoft.com/office/drawing/2014/main" id="{E9719D65-F2EB-79A0-A750-FD3A31236C7C}"/>
+                <a16:creationId xmlns:a16="http://schemas.microsoft.com/office/drawing/2014/main" id="{FB6A3488-8E65-5AB6-189D-DA1AF008C8BB}"/>
               </a:ext>
             </a:extLst>
           </p:cNvPr>
@@ -1450,7 +1450,7 @@
           <a:bodyPr/>
           <a:lstStyle/>
           <a:p>
-            <a:fld id="{8DE8C210-0033-4520-8347-4BA5FACC725C}" type="slidenum">
+            <a:fld id="{C5AF74D8-A3D6-42B1-89FC-19AC4B5D0080}" type="slidenum">
               <a:rPr lang="zh-CN" altLang="en-US" smtClean="0"/>
               <a:t>‹#›</a:t>
             </a:fld>
@@ -1461,7 +1461,7 @@
     </p:spTree>
     <p:extLst>
       <p:ext uri="{BB962C8B-B14F-4D97-AF65-F5344CB8AC3E}">
-        <p14:creationId xmlns:p14="http://schemas.microsoft.com/office/powerpoint/2010/main" val="3476323777"/>
+        <p14:creationId xmlns:p14="http://schemas.microsoft.com/office/powerpoint/2010/main" val="1500110252"/>
       </p:ext>
     </p:extLst>
   </p:cSld>
@@ -1493,7 +1493,7 @@
           <p:cNvPr id="2" name="标题 1">
             <a:extLst>
               <a:ext uri="{FF2B5EF4-FFF2-40B4-BE49-F238E27FC236}">
-                <a16:creationId xmlns:a16="http://schemas.microsoft.com/office/drawing/2014/main" id="{F3559043-E8F6-32ED-63DB-90EFBECCB9F1}"/>
+                <a16:creationId xmlns:a16="http://schemas.microsoft.com/office/drawing/2014/main" id="{7B96EF4D-0A23-F0F4-11D3-00096D15B870}"/>
               </a:ext>
             </a:extLst>
           </p:cNvPr>
@@ -1526,7 +1526,7 @@
           <p:cNvPr id="3" name="文本占位符 2">
             <a:extLst>
               <a:ext uri="{FF2B5EF4-FFF2-40B4-BE49-F238E27FC236}">
-                <a16:creationId xmlns:a16="http://schemas.microsoft.com/office/drawing/2014/main" id="{A02D557D-7149-6FE4-409B-F35CC6398E9F}"/>
+                <a16:creationId xmlns:a16="http://schemas.microsoft.com/office/drawing/2014/main" id="{B8B96C90-271C-7FFA-4A9D-CC8FF0F93E18}"/>
               </a:ext>
             </a:extLst>
           </p:cNvPr>
@@ -1597,7 +1597,7 @@
           <p:cNvPr id="4" name="内容占位符 3">
             <a:extLst>
               <a:ext uri="{FF2B5EF4-FFF2-40B4-BE49-F238E27FC236}">
-                <a16:creationId xmlns:a16="http://schemas.microsoft.com/office/drawing/2014/main" id="{3B7DB7C0-D81A-F2CC-3A8F-3E4E04DE6E20}"/>
+                <a16:creationId xmlns:a16="http://schemas.microsoft.com/office/drawing/2014/main" id="{7F1DF932-1BAA-EBCF-5F99-60F286C7C0B1}"/>
               </a:ext>
             </a:extLst>
           </p:cNvPr>
@@ -1659,7 +1659,7 @@
           <p:cNvPr id="5" name="文本占位符 4">
             <a:extLst>
               <a:ext uri="{FF2B5EF4-FFF2-40B4-BE49-F238E27FC236}">
-                <a16:creationId xmlns:a16="http://schemas.microsoft.com/office/drawing/2014/main" id="{25461BA8-AAFA-C6F1-2505-909A451FE97C}"/>
+                <a16:creationId xmlns:a16="http://schemas.microsoft.com/office/drawing/2014/main" id="{49AE8BE8-8EA7-5A07-7D81-D735E72BDFEB}"/>
               </a:ext>
             </a:extLst>
           </p:cNvPr>
@@ -1730,7 +1730,7 @@
           <p:cNvPr id="6" name="内容占位符 5">
             <a:extLst>
               <a:ext uri="{FF2B5EF4-FFF2-40B4-BE49-F238E27FC236}">
-                <a16:creationId xmlns:a16="http://schemas.microsoft.com/office/drawing/2014/main" id="{4350A809-6B13-F163-38E1-6ABF781F6A57}"/>
+                <a16:creationId xmlns:a16="http://schemas.microsoft.com/office/drawing/2014/main" id="{ADC26D84-97C3-D80A-EBED-0F25F21C82C5}"/>
               </a:ext>
             </a:extLst>
           </p:cNvPr>
@@ -1792,7 +1792,7 @@
           <p:cNvPr id="7" name="日期占位符 6">
             <a:extLst>
               <a:ext uri="{FF2B5EF4-FFF2-40B4-BE49-F238E27FC236}">
-                <a16:creationId xmlns:a16="http://schemas.microsoft.com/office/drawing/2014/main" id="{5A74EC88-D265-5C02-3670-84FA9C1C994E}"/>
+                <a16:creationId xmlns:a16="http://schemas.microsoft.com/office/drawing/2014/main" id="{DF95DC57-53F6-C222-FA0A-519D79B0EC6F}"/>
               </a:ext>
             </a:extLst>
           </p:cNvPr>
@@ -1808,7 +1808,7 @@
           <a:bodyPr/>
           <a:lstStyle/>
           <a:p>
-            <a:fld id="{1D1A240B-E2BB-47BC-9C3D-B26E018D0B6B}" type="datetimeFigureOut">
+            <a:fld id="{C819C7CC-1DEF-41DF-847B-1DB87926743E}" type="datetimeFigureOut">
               <a:rPr lang="zh-CN" altLang="en-US" smtClean="0"/>
               <a:t>2024/3/10</a:t>
             </a:fld>
@@ -1821,7 +1821,7 @@
           <p:cNvPr id="8" name="页脚占位符 7">
             <a:extLst>
               <a:ext uri="{FF2B5EF4-FFF2-40B4-BE49-F238E27FC236}">
-                <a16:creationId xmlns:a16="http://schemas.microsoft.com/office/drawing/2014/main" id="{0BE9B726-F44A-3E96-4C8E-ADF941A224E9}"/>
+                <a16:creationId xmlns:a16="http://schemas.microsoft.com/office/drawing/2014/main" id="{DC7495BF-F490-B349-4790-F62678D4F3BE}"/>
               </a:ext>
             </a:extLst>
           </p:cNvPr>
@@ -1846,7 +1846,7 @@
           <p:cNvPr id="9" name="灯片编号占位符 8">
             <a:extLst>
               <a:ext uri="{FF2B5EF4-FFF2-40B4-BE49-F238E27FC236}">
-                <a16:creationId xmlns:a16="http://schemas.microsoft.com/office/drawing/2014/main" id="{C13DD8F5-F8D9-9D3F-46E0-23FF9E43AEB9}"/>
+                <a16:creationId xmlns:a16="http://schemas.microsoft.com/office/drawing/2014/main" id="{3F8EF3BD-9300-C3CB-20DC-BF864AE0DD1B}"/>
               </a:ext>
             </a:extLst>
           </p:cNvPr>
@@ -1862,7 +1862,7 @@
           <a:bodyPr/>
           <a:lstStyle/>
           <a:p>
-            <a:fld id="{8DE8C210-0033-4520-8347-4BA5FACC725C}" type="slidenum">
+            <a:fld id="{C5AF74D8-A3D6-42B1-89FC-19AC4B5D0080}" type="slidenum">
               <a:rPr lang="zh-CN" altLang="en-US" smtClean="0"/>
               <a:t>‹#›</a:t>
             </a:fld>
@@ -1873,7 +1873,7 @@
     </p:spTree>
     <p:extLst>
       <p:ext uri="{BB962C8B-B14F-4D97-AF65-F5344CB8AC3E}">
-        <p14:creationId xmlns:p14="http://schemas.microsoft.com/office/powerpoint/2010/main" val="1306589531"/>
+        <p14:creationId xmlns:p14="http://schemas.microsoft.com/office/powerpoint/2010/main" val="1216997709"/>
       </p:ext>
     </p:extLst>
   </p:cSld>
@@ -1905,7 +1905,7 @@
           <p:cNvPr id="2" name="标题 1">
             <a:extLst>
               <a:ext uri="{FF2B5EF4-FFF2-40B4-BE49-F238E27FC236}">
-                <a16:creationId xmlns:a16="http://schemas.microsoft.com/office/drawing/2014/main" id="{437C51C9-4A52-CA10-C4F2-962485196418}"/>
+                <a16:creationId xmlns:a16="http://schemas.microsoft.com/office/drawing/2014/main" id="{3B438BD0-A993-A22B-C687-7B57FFA7B7D7}"/>
               </a:ext>
             </a:extLst>
           </p:cNvPr>
@@ -1933,7 +1933,7 @@
           <p:cNvPr id="3" name="日期占位符 2">
             <a:extLst>
               <a:ext uri="{FF2B5EF4-FFF2-40B4-BE49-F238E27FC236}">
-                <a16:creationId xmlns:a16="http://schemas.microsoft.com/office/drawing/2014/main" id="{0D6D9633-8677-A285-B85A-43E3A7FC79C5}"/>
+                <a16:creationId xmlns:a16="http://schemas.microsoft.com/office/drawing/2014/main" id="{A5C2703E-4649-C655-8913-49F0BFB12019}"/>
               </a:ext>
             </a:extLst>
           </p:cNvPr>
@@ -1949,7 +1949,7 @@
           <a:bodyPr/>
           <a:lstStyle/>
           <a:p>
-            <a:fld id="{1D1A240B-E2BB-47BC-9C3D-B26E018D0B6B}" type="datetimeFigureOut">
+            <a:fld id="{C819C7CC-1DEF-41DF-847B-1DB87926743E}" type="datetimeFigureOut">
               <a:rPr lang="zh-CN" altLang="en-US" smtClean="0"/>
               <a:t>2024/3/10</a:t>
             </a:fld>
@@ -1962,7 +1962,7 @@
           <p:cNvPr id="4" name="页脚占位符 3">
             <a:extLst>
               <a:ext uri="{FF2B5EF4-FFF2-40B4-BE49-F238E27FC236}">
-                <a16:creationId xmlns:a16="http://schemas.microsoft.com/office/drawing/2014/main" id="{8A88786E-AEDD-5F19-8E18-73E8206E5A6A}"/>
+                <a16:creationId xmlns:a16="http://schemas.microsoft.com/office/drawing/2014/main" id="{DED8BF3F-91BA-401E-0B7D-D0B6EBC08AAC}"/>
               </a:ext>
             </a:extLst>
           </p:cNvPr>
@@ -1987,7 +1987,7 @@
           <p:cNvPr id="5" name="灯片编号占位符 4">
             <a:extLst>
               <a:ext uri="{FF2B5EF4-FFF2-40B4-BE49-F238E27FC236}">
-                <a16:creationId xmlns:a16="http://schemas.microsoft.com/office/drawing/2014/main" id="{60DC1E0B-9D91-EB60-D0EE-DDFB8349F34E}"/>
+                <a16:creationId xmlns:a16="http://schemas.microsoft.com/office/drawing/2014/main" id="{608091A9-218E-F3F8-AE2E-1CB4B010358E}"/>
               </a:ext>
             </a:extLst>
           </p:cNvPr>
@@ -2003,7 +2003,7 @@
           <a:bodyPr/>
           <a:lstStyle/>
           <a:p>
-            <a:fld id="{8DE8C210-0033-4520-8347-4BA5FACC725C}" type="slidenum">
+            <a:fld id="{C5AF74D8-A3D6-42B1-89FC-19AC4B5D0080}" type="slidenum">
               <a:rPr lang="zh-CN" altLang="en-US" smtClean="0"/>
               <a:t>‹#›</a:t>
             </a:fld>
@@ -2014,7 +2014,7 @@
     </p:spTree>
     <p:extLst>
       <p:ext uri="{BB962C8B-B14F-4D97-AF65-F5344CB8AC3E}">
-        <p14:creationId xmlns:p14="http://schemas.microsoft.com/office/powerpoint/2010/main" val="505850320"/>
+        <p14:creationId xmlns:p14="http://schemas.microsoft.com/office/powerpoint/2010/main" val="1700360101"/>
       </p:ext>
     </p:extLst>
   </p:cSld>
@@ -2046,7 +2046,7 @@
           <p:cNvPr id="2" name="日期占位符 1">
             <a:extLst>
               <a:ext uri="{FF2B5EF4-FFF2-40B4-BE49-F238E27FC236}">
-                <a16:creationId xmlns:a16="http://schemas.microsoft.com/office/drawing/2014/main" id="{E7AAA080-9305-9C72-FB4F-C7F5E4A420F4}"/>
+                <a16:creationId xmlns:a16="http://schemas.microsoft.com/office/drawing/2014/main" id="{D0FAA828-7448-4279-10EB-5037676D5911}"/>
               </a:ext>
             </a:extLst>
           </p:cNvPr>
@@ -2062,7 +2062,7 @@
           <a:bodyPr/>
           <a:lstStyle/>
           <a:p>
-            <a:fld id="{1D1A240B-E2BB-47BC-9C3D-B26E018D0B6B}" type="datetimeFigureOut">
+            <a:fld id="{C819C7CC-1DEF-41DF-847B-1DB87926743E}" type="datetimeFigureOut">
               <a:rPr lang="zh-CN" altLang="en-US" smtClean="0"/>
               <a:t>2024/3/10</a:t>
             </a:fld>
@@ -2075,7 +2075,7 @@
           <p:cNvPr id="3" name="页脚占位符 2">
             <a:extLst>
               <a:ext uri="{FF2B5EF4-FFF2-40B4-BE49-F238E27FC236}">
-                <a16:creationId xmlns:a16="http://schemas.microsoft.com/office/drawing/2014/main" id="{5503ABF5-F8AF-561D-0A3B-957AE9154CF7}"/>
+                <a16:creationId xmlns:a16="http://schemas.microsoft.com/office/drawing/2014/main" id="{22730D2D-51EB-05AD-5F30-988D6A1FB4B1}"/>
               </a:ext>
             </a:extLst>
           </p:cNvPr>
@@ -2100,7 +2100,7 @@
           <p:cNvPr id="4" name="灯片编号占位符 3">
             <a:extLst>
               <a:ext uri="{FF2B5EF4-FFF2-40B4-BE49-F238E27FC236}">
-                <a16:creationId xmlns:a16="http://schemas.microsoft.com/office/drawing/2014/main" id="{E8B0FBED-C04A-FEFA-2B05-7F319DDEA650}"/>
+                <a16:creationId xmlns:a16="http://schemas.microsoft.com/office/drawing/2014/main" id="{94126D33-63D5-DB29-845E-A2CE829229CB}"/>
               </a:ext>
             </a:extLst>
           </p:cNvPr>
@@ -2116,7 +2116,7 @@
           <a:bodyPr/>
           <a:lstStyle/>
           <a:p>
-            <a:fld id="{8DE8C210-0033-4520-8347-4BA5FACC725C}" type="slidenum">
+            <a:fld id="{C5AF74D8-A3D6-42B1-89FC-19AC4B5D0080}" type="slidenum">
               <a:rPr lang="zh-CN" altLang="en-US" smtClean="0"/>
               <a:t>‹#›</a:t>
             </a:fld>
@@ -2127,7 +2127,7 @@
     </p:spTree>
     <p:extLst>
       <p:ext uri="{BB962C8B-B14F-4D97-AF65-F5344CB8AC3E}">
-        <p14:creationId xmlns:p14="http://schemas.microsoft.com/office/powerpoint/2010/main" val="1444335535"/>
+        <p14:creationId xmlns:p14="http://schemas.microsoft.com/office/powerpoint/2010/main" val="1442617534"/>
       </p:ext>
     </p:extLst>
   </p:cSld>
@@ -2159,7 +2159,7 @@
           <p:cNvPr id="2" name="标题 1">
             <a:extLst>
               <a:ext uri="{FF2B5EF4-FFF2-40B4-BE49-F238E27FC236}">
-                <a16:creationId xmlns:a16="http://schemas.microsoft.com/office/drawing/2014/main" id="{7FCCF137-EC23-F33B-F1C5-A17610FE6EC1}"/>
+                <a16:creationId xmlns:a16="http://schemas.microsoft.com/office/drawing/2014/main" id="{BEE4F257-1C6A-59D8-6273-2E74E68EB9EA}"/>
               </a:ext>
             </a:extLst>
           </p:cNvPr>
@@ -2196,7 +2196,7 @@
           <p:cNvPr id="3" name="内容占位符 2">
             <a:extLst>
               <a:ext uri="{FF2B5EF4-FFF2-40B4-BE49-F238E27FC236}">
-                <a16:creationId xmlns:a16="http://schemas.microsoft.com/office/drawing/2014/main" id="{C68AF449-C652-E7F8-39D6-90E9C0582B68}"/>
+                <a16:creationId xmlns:a16="http://schemas.microsoft.com/office/drawing/2014/main" id="{625349F4-C87A-3224-951E-513C1998E028}"/>
               </a:ext>
             </a:extLst>
           </p:cNvPr>
@@ -2286,7 +2286,7 @@
           <p:cNvPr id="4" name="文本占位符 3">
             <a:extLst>
               <a:ext uri="{FF2B5EF4-FFF2-40B4-BE49-F238E27FC236}">
-                <a16:creationId xmlns:a16="http://schemas.microsoft.com/office/drawing/2014/main" id="{FD0B4482-AB05-C341-C9B0-58010E605578}"/>
+                <a16:creationId xmlns:a16="http://schemas.microsoft.com/office/drawing/2014/main" id="{DC1A128F-CDD6-A07C-4BAA-16078F9B7DE7}"/>
               </a:ext>
             </a:extLst>
           </p:cNvPr>
@@ -2357,7 +2357,7 @@
           <p:cNvPr id="5" name="日期占位符 4">
             <a:extLst>
               <a:ext uri="{FF2B5EF4-FFF2-40B4-BE49-F238E27FC236}">
-                <a16:creationId xmlns:a16="http://schemas.microsoft.com/office/drawing/2014/main" id="{E1B6DCCB-B469-61CF-B87F-FA10A4F5C86A}"/>
+                <a16:creationId xmlns:a16="http://schemas.microsoft.com/office/drawing/2014/main" id="{9A2CD552-610A-6D89-4979-863C409E0F4E}"/>
               </a:ext>
             </a:extLst>
           </p:cNvPr>
@@ -2373,7 +2373,7 @@
           <a:bodyPr/>
           <a:lstStyle/>
           <a:p>
-            <a:fld id="{1D1A240B-E2BB-47BC-9C3D-B26E018D0B6B}" type="datetimeFigureOut">
+            <a:fld id="{C819C7CC-1DEF-41DF-847B-1DB87926743E}" type="datetimeFigureOut">
               <a:rPr lang="zh-CN" altLang="en-US" smtClean="0"/>
               <a:t>2024/3/10</a:t>
             </a:fld>
@@ -2386,7 +2386,7 @@
           <p:cNvPr id="6" name="页脚占位符 5">
             <a:extLst>
               <a:ext uri="{FF2B5EF4-FFF2-40B4-BE49-F238E27FC236}">
-                <a16:creationId xmlns:a16="http://schemas.microsoft.com/office/drawing/2014/main" id="{34974A88-81B4-AEEB-FEB3-7837E0D17B23}"/>
+                <a16:creationId xmlns:a16="http://schemas.microsoft.com/office/drawing/2014/main" id="{BC552614-AD81-C0BC-3DC8-11BF9C7C5350}"/>
               </a:ext>
             </a:extLst>
           </p:cNvPr>
@@ -2411,7 +2411,7 @@
           <p:cNvPr id="7" name="灯片编号占位符 6">
             <a:extLst>
               <a:ext uri="{FF2B5EF4-FFF2-40B4-BE49-F238E27FC236}">
-                <a16:creationId xmlns:a16="http://schemas.microsoft.com/office/drawing/2014/main" id="{7432DCA6-9D1A-899F-E92D-FB7C58054036}"/>
+                <a16:creationId xmlns:a16="http://schemas.microsoft.com/office/drawing/2014/main" id="{B5226BDF-87BA-D859-CD83-9FB3241410E6}"/>
               </a:ext>
             </a:extLst>
           </p:cNvPr>
@@ -2427,7 +2427,7 @@
           <a:bodyPr/>
           <a:lstStyle/>
           <a:p>
-            <a:fld id="{8DE8C210-0033-4520-8347-4BA5FACC725C}" type="slidenum">
+            <a:fld id="{C5AF74D8-A3D6-42B1-89FC-19AC4B5D0080}" type="slidenum">
               <a:rPr lang="zh-CN" altLang="en-US" smtClean="0"/>
               <a:t>‹#›</a:t>
             </a:fld>
@@ -2438,7 +2438,7 @@
     </p:spTree>
     <p:extLst>
       <p:ext uri="{BB962C8B-B14F-4D97-AF65-F5344CB8AC3E}">
-        <p14:creationId xmlns:p14="http://schemas.microsoft.com/office/powerpoint/2010/main" val="932711248"/>
+        <p14:creationId xmlns:p14="http://schemas.microsoft.com/office/powerpoint/2010/main" val="2039568266"/>
       </p:ext>
     </p:extLst>
   </p:cSld>
@@ -2470,7 +2470,7 @@
           <p:cNvPr id="2" name="标题 1">
             <a:extLst>
               <a:ext uri="{FF2B5EF4-FFF2-40B4-BE49-F238E27FC236}">
-                <a16:creationId xmlns:a16="http://schemas.microsoft.com/office/drawing/2014/main" id="{1E783D40-A65A-F936-2E36-F74899186EC6}"/>
+                <a16:creationId xmlns:a16="http://schemas.microsoft.com/office/drawing/2014/main" id="{D3EE1507-42C3-DF06-3DA8-D6485F103149}"/>
               </a:ext>
             </a:extLst>
           </p:cNvPr>
@@ -2507,7 +2507,7 @@
           <p:cNvPr id="3" name="图片占位符 2">
             <a:extLst>
               <a:ext uri="{FF2B5EF4-FFF2-40B4-BE49-F238E27FC236}">
-                <a16:creationId xmlns:a16="http://schemas.microsoft.com/office/drawing/2014/main" id="{49D12C01-C43B-86A8-2600-AA6B0A2E9DF9}"/>
+                <a16:creationId xmlns:a16="http://schemas.microsoft.com/office/drawing/2014/main" id="{41FB4DD3-A303-C1A4-0291-8CB34E7F01D7}"/>
               </a:ext>
             </a:extLst>
           </p:cNvPr>
@@ -2574,7 +2574,7 @@
           <p:cNvPr id="4" name="文本占位符 3">
             <a:extLst>
               <a:ext uri="{FF2B5EF4-FFF2-40B4-BE49-F238E27FC236}">
-                <a16:creationId xmlns:a16="http://schemas.microsoft.com/office/drawing/2014/main" id="{C7E761FE-0A40-B8A1-5CD2-2304E4338D6D}"/>
+                <a16:creationId xmlns:a16="http://schemas.microsoft.com/office/drawing/2014/main" id="{68D16305-FDA9-C11F-0149-8EF65FC766A6}"/>
               </a:ext>
             </a:extLst>
           </p:cNvPr>
@@ -2645,7 +2645,7 @@
           <p:cNvPr id="5" name="日期占位符 4">
             <a:extLst>
               <a:ext uri="{FF2B5EF4-FFF2-40B4-BE49-F238E27FC236}">
-                <a16:creationId xmlns:a16="http://schemas.microsoft.com/office/drawing/2014/main" id="{0BD5103E-FEFF-7F22-5BAA-5FEA4CF63F4C}"/>
+                <a16:creationId xmlns:a16="http://schemas.microsoft.com/office/drawing/2014/main" id="{24D9639C-8EC9-DFEA-3401-E8BCEE60269E}"/>
               </a:ext>
             </a:extLst>
           </p:cNvPr>
@@ -2661,7 +2661,7 @@
           <a:bodyPr/>
           <a:lstStyle/>
           <a:p>
-            <a:fld id="{1D1A240B-E2BB-47BC-9C3D-B26E018D0B6B}" type="datetimeFigureOut">
+            <a:fld id="{C819C7CC-1DEF-41DF-847B-1DB87926743E}" type="datetimeFigureOut">
               <a:rPr lang="zh-CN" altLang="en-US" smtClean="0"/>
               <a:t>2024/3/10</a:t>
             </a:fld>
@@ -2674,7 +2674,7 @@
           <p:cNvPr id="6" name="页脚占位符 5">
             <a:extLst>
               <a:ext uri="{FF2B5EF4-FFF2-40B4-BE49-F238E27FC236}">
-                <a16:creationId xmlns:a16="http://schemas.microsoft.com/office/drawing/2014/main" id="{B8383345-3E93-5E65-0359-7066BFE0A119}"/>
+                <a16:creationId xmlns:a16="http://schemas.microsoft.com/office/drawing/2014/main" id="{E3EDF445-4913-F21B-C0E2-8559ACA4DC2A}"/>
               </a:ext>
             </a:extLst>
           </p:cNvPr>
@@ -2699,7 +2699,7 @@
           <p:cNvPr id="7" name="灯片编号占位符 6">
             <a:extLst>
               <a:ext uri="{FF2B5EF4-FFF2-40B4-BE49-F238E27FC236}">
-                <a16:creationId xmlns:a16="http://schemas.microsoft.com/office/drawing/2014/main" id="{27CDC2F6-7EE2-6B03-4EC2-E6A648516D0C}"/>
+                <a16:creationId xmlns:a16="http://schemas.microsoft.com/office/drawing/2014/main" id="{7EB8A6F0-ABE5-FA10-2237-D94CAC432B48}"/>
               </a:ext>
             </a:extLst>
           </p:cNvPr>
@@ -2715,7 +2715,7 @@
           <a:bodyPr/>
           <a:lstStyle/>
           <a:p>
-            <a:fld id="{8DE8C210-0033-4520-8347-4BA5FACC725C}" type="slidenum">
+            <a:fld id="{C5AF74D8-A3D6-42B1-89FC-19AC4B5D0080}" type="slidenum">
               <a:rPr lang="zh-CN" altLang="en-US" smtClean="0"/>
               <a:t>‹#›</a:t>
             </a:fld>
@@ -2726,7 +2726,7 @@
     </p:spTree>
     <p:extLst>
       <p:ext uri="{BB962C8B-B14F-4D97-AF65-F5344CB8AC3E}">
-        <p14:creationId xmlns:p14="http://schemas.microsoft.com/office/powerpoint/2010/main" val="2702501347"/>
+        <p14:creationId xmlns:p14="http://schemas.microsoft.com/office/powerpoint/2010/main" val="3343155"/>
       </p:ext>
     </p:extLst>
   </p:cSld>
@@ -2763,7 +2763,7 @@
           <p:cNvPr id="2" name="标题占位符 1">
             <a:extLst>
               <a:ext uri="{FF2B5EF4-FFF2-40B4-BE49-F238E27FC236}">
-                <a16:creationId xmlns:a16="http://schemas.microsoft.com/office/drawing/2014/main" id="{481F25D4-29E4-6051-32B8-AECB24C897B1}"/>
+                <a16:creationId xmlns:a16="http://schemas.microsoft.com/office/drawing/2014/main" id="{0FD2961D-65DD-83D4-0586-5158B48F92B1}"/>
               </a:ext>
             </a:extLst>
           </p:cNvPr>
@@ -2801,7 +2801,7 @@
           <p:cNvPr id="3" name="文本占位符 2">
             <a:extLst>
               <a:ext uri="{FF2B5EF4-FFF2-40B4-BE49-F238E27FC236}">
-                <a16:creationId xmlns:a16="http://schemas.microsoft.com/office/drawing/2014/main" id="{92DC2ED2-4CC0-3E6E-92B8-C72B5FA22ED5}"/>
+                <a16:creationId xmlns:a16="http://schemas.microsoft.com/office/drawing/2014/main" id="{D1465782-273F-A206-AADD-3AA9FD30C57C}"/>
               </a:ext>
             </a:extLst>
           </p:cNvPr>
@@ -2868,7 +2868,7 @@
           <p:cNvPr id="4" name="日期占位符 3">
             <a:extLst>
               <a:ext uri="{FF2B5EF4-FFF2-40B4-BE49-F238E27FC236}">
-                <a16:creationId xmlns:a16="http://schemas.microsoft.com/office/drawing/2014/main" id="{D20F9E8B-65EB-EFBA-56C0-3BE61AA4B0B8}"/>
+                <a16:creationId xmlns:a16="http://schemas.microsoft.com/office/drawing/2014/main" id="{2C5CA91A-B5AE-96DA-BB4F-2B36E7B72C5F}"/>
               </a:ext>
             </a:extLst>
           </p:cNvPr>
@@ -2902,7 +2902,7 @@
             </a:lvl1pPr>
           </a:lstStyle>
           <a:p>
-            <a:fld id="{1D1A240B-E2BB-47BC-9C3D-B26E018D0B6B}" type="datetimeFigureOut">
+            <a:fld id="{C819C7CC-1DEF-41DF-847B-1DB87926743E}" type="datetimeFigureOut">
               <a:rPr lang="zh-CN" altLang="en-US" smtClean="0"/>
               <a:t>2024/3/10</a:t>
             </a:fld>
@@ -2915,7 +2915,7 @@
           <p:cNvPr id="5" name="页脚占位符 4">
             <a:extLst>
               <a:ext uri="{FF2B5EF4-FFF2-40B4-BE49-F238E27FC236}">
-                <a16:creationId xmlns:a16="http://schemas.microsoft.com/office/drawing/2014/main" id="{2B12E7AA-8E68-8FF9-2B85-96CD119423AD}"/>
+                <a16:creationId xmlns:a16="http://schemas.microsoft.com/office/drawing/2014/main" id="{5E628D4A-BC40-4B57-1339-3B594718AADE}"/>
               </a:ext>
             </a:extLst>
           </p:cNvPr>
@@ -2958,7 +2958,7 @@
           <p:cNvPr id="6" name="灯片编号占位符 5">
             <a:extLst>
               <a:ext uri="{FF2B5EF4-FFF2-40B4-BE49-F238E27FC236}">
-                <a16:creationId xmlns:a16="http://schemas.microsoft.com/office/drawing/2014/main" id="{031B1F89-81CD-4920-F432-33F5671BD181}"/>
+                <a16:creationId xmlns:a16="http://schemas.microsoft.com/office/drawing/2014/main" id="{085782D0-D864-2093-478A-194401F271A3}"/>
               </a:ext>
             </a:extLst>
           </p:cNvPr>
@@ -2992,7 +2992,7 @@
             </a:lvl1pPr>
           </a:lstStyle>
           <a:p>
-            <a:fld id="{8DE8C210-0033-4520-8347-4BA5FACC725C}" type="slidenum">
+            <a:fld id="{C5AF74D8-A3D6-42B1-89FC-19AC4B5D0080}" type="slidenum">
               <a:rPr lang="zh-CN" altLang="en-US" smtClean="0"/>
               <a:t>‹#›</a:t>
             </a:fld>
@@ -3003,7 +3003,7 @@
     </p:spTree>
     <p:extLst>
       <p:ext uri="{BB962C8B-B14F-4D97-AF65-F5344CB8AC3E}">
-        <p14:creationId xmlns:p14="http://schemas.microsoft.com/office/powerpoint/2010/main" val="1654866881"/>
+        <p14:creationId xmlns:p14="http://schemas.microsoft.com/office/powerpoint/2010/main" val="2533129771"/>
       </p:ext>
     </p:extLst>
   </p:cSld>
@@ -3323,7 +3323,7 @@
       </p:grpSpPr>
       <p:pic>
         <p:nvPicPr>
-          <p:cNvPr id="188418" name="Picture 2" descr="183"/>
+          <p:cNvPr id="189442" name="Picture 2" descr="184"/>
           <p:cNvPicPr>
             <a:picLocks noChangeAspect="1" noChangeArrowheads="1"/>
           </p:cNvPicPr>
@@ -3344,8 +3344,8 @@
         </p:blipFill>
         <p:spPr bwMode="auto">
           <a:xfrm>
-            <a:off x="1524000" y="0"/>
-            <a:ext cx="9144000" cy="6858000"/>
+            <a:off x="1560513" y="-11113"/>
+            <a:ext cx="9144000" cy="6842126"/>
           </a:xfrm>
           <a:prstGeom prst="rect">
             <a:avLst/>
@@ -3377,7 +3377,7 @@
       </p:pic>
       <p:pic>
         <p:nvPicPr>
-          <p:cNvPr id="189443" name="Picture 3" descr="183-2"/>
+          <p:cNvPr id="190467" name="Picture 3" descr="184-2"/>
           <p:cNvPicPr>
             <a:picLocks noChangeAspect="1" noChangeArrowheads="1"/>
           </p:cNvPicPr>
@@ -3398,8 +3398,8 @@
         </p:blipFill>
         <p:spPr bwMode="auto">
           <a:xfrm>
-            <a:off x="1524000" y="0"/>
-            <a:ext cx="9144000" cy="6858000"/>
+            <a:off x="1524000" y="-11113"/>
+            <a:ext cx="9144000" cy="6842126"/>
           </a:xfrm>
           <a:prstGeom prst="rect">
             <a:avLst/>
@@ -3478,7 +3478,7 @@
                                           </p:stCondLst>
                                         </p:cTn>
                                         <p:tgtEl>
-                                          <p:spTgt spid="189443"/>
+                                          <p:spTgt spid="190467"/>
                                         </p:tgtEl>
                                         <p:attrNameLst>
                                           <p:attrName>style.visibility</p:attrName>
@@ -3492,7 +3492,7 @@
                                       <p:cBhvr>
                                         <p:cTn id="7" dur="500"/>
                                         <p:tgtEl>
-                                          <p:spTgt spid="189443"/>
+                                          <p:spTgt spid="190467"/>
                                         </p:tgtEl>
                                       </p:cBhvr>
                                     </p:animEffect>
